--- a/Lab 2 Presentations/Task 2 – Seminar 2.pptx
+++ b/Lab 2 Presentations/Task 2 – Seminar 2.pptx
@@ -128,6 +128,11 @@
       </a:defRPr>
     </a:lvl9pPr>
   </p:defaultTextStyle>
+  <p:extLst>
+    <p:ext uri="{EFAFB233-063F-42B5-8137-9DF3F51BA10A}">
+      <p15:sldGuideLst xmlns:p15="http://schemas.microsoft.com/office/powerpoint/2012/main"/>
+    </p:ext>
+  </p:extLst>
 </p:presentation>
 </file>
 
@@ -8263,7 +8268,7 @@
           <a:p>
             <a:fld id="{1F295251-038B-47DF-AB2A-CF693BFB5DCE}" type="datetimeFigureOut">
               <a:rPr lang="sv-SE" smtClean="0"/>
-              <a:t>2025-10-06</a:t>
+              <a:t>2025-10-09</a:t>
             </a:fld>
             <a:endParaRPr lang="sv-SE"/>
           </a:p>
@@ -8461,7 +8466,7 @@
           <a:p>
             <a:fld id="{1F295251-038B-47DF-AB2A-CF693BFB5DCE}" type="datetimeFigureOut">
               <a:rPr lang="sv-SE" smtClean="0"/>
-              <a:t>2025-10-06</a:t>
+              <a:t>2025-10-09</a:t>
             </a:fld>
             <a:endParaRPr lang="sv-SE"/>
           </a:p>
@@ -8669,7 +8674,7 @@
           <a:p>
             <a:fld id="{1F295251-038B-47DF-AB2A-CF693BFB5DCE}" type="datetimeFigureOut">
               <a:rPr lang="sv-SE" smtClean="0"/>
-              <a:t>2025-10-06</a:t>
+              <a:t>2025-10-09</a:t>
             </a:fld>
             <a:endParaRPr lang="sv-SE"/>
           </a:p>
@@ -8867,7 +8872,7 @@
           <a:p>
             <a:fld id="{1F295251-038B-47DF-AB2A-CF693BFB5DCE}" type="datetimeFigureOut">
               <a:rPr lang="sv-SE" smtClean="0"/>
-              <a:t>2025-10-06</a:t>
+              <a:t>2025-10-09</a:t>
             </a:fld>
             <a:endParaRPr lang="sv-SE"/>
           </a:p>
@@ -9142,7 +9147,7 @@
           <a:p>
             <a:fld id="{1F295251-038B-47DF-AB2A-CF693BFB5DCE}" type="datetimeFigureOut">
               <a:rPr lang="sv-SE" smtClean="0"/>
-              <a:t>2025-10-06</a:t>
+              <a:t>2025-10-09</a:t>
             </a:fld>
             <a:endParaRPr lang="sv-SE"/>
           </a:p>
@@ -9407,7 +9412,7 @@
           <a:p>
             <a:fld id="{1F295251-038B-47DF-AB2A-CF693BFB5DCE}" type="datetimeFigureOut">
               <a:rPr lang="sv-SE" smtClean="0"/>
-              <a:t>2025-10-06</a:t>
+              <a:t>2025-10-09</a:t>
             </a:fld>
             <a:endParaRPr lang="sv-SE"/>
           </a:p>
@@ -9819,7 +9824,7 @@
           <a:p>
             <a:fld id="{1F295251-038B-47DF-AB2A-CF693BFB5DCE}" type="datetimeFigureOut">
               <a:rPr lang="sv-SE" smtClean="0"/>
-              <a:t>2025-10-06</a:t>
+              <a:t>2025-10-09</a:t>
             </a:fld>
             <a:endParaRPr lang="sv-SE"/>
           </a:p>
@@ -9960,7 +9965,7 @@
           <a:p>
             <a:fld id="{1F295251-038B-47DF-AB2A-CF693BFB5DCE}" type="datetimeFigureOut">
               <a:rPr lang="sv-SE" smtClean="0"/>
-              <a:t>2025-10-06</a:t>
+              <a:t>2025-10-09</a:t>
             </a:fld>
             <a:endParaRPr lang="sv-SE"/>
           </a:p>
@@ -10073,7 +10078,7 @@
           <a:p>
             <a:fld id="{1F295251-038B-47DF-AB2A-CF693BFB5DCE}" type="datetimeFigureOut">
               <a:rPr lang="sv-SE" smtClean="0"/>
-              <a:t>2025-10-06</a:t>
+              <a:t>2025-10-09</a:t>
             </a:fld>
             <a:endParaRPr lang="sv-SE"/>
           </a:p>
@@ -10384,7 +10389,7 @@
           <a:p>
             <a:fld id="{1F295251-038B-47DF-AB2A-CF693BFB5DCE}" type="datetimeFigureOut">
               <a:rPr lang="sv-SE" smtClean="0"/>
-              <a:t>2025-10-06</a:t>
+              <a:t>2025-10-09</a:t>
             </a:fld>
             <a:endParaRPr lang="sv-SE"/>
           </a:p>
@@ -10672,7 +10677,7 @@
           <a:p>
             <a:fld id="{1F295251-038B-47DF-AB2A-CF693BFB5DCE}" type="datetimeFigureOut">
               <a:rPr lang="sv-SE" smtClean="0"/>
-              <a:t>2025-10-06</a:t>
+              <a:t>2025-10-09</a:t>
             </a:fld>
             <a:endParaRPr lang="sv-SE"/>
           </a:p>
@@ -10913,7 +10918,7 @@
           <a:p>
             <a:fld id="{1F295251-038B-47DF-AB2A-CF693BFB5DCE}" type="datetimeFigureOut">
               <a:rPr lang="sv-SE" smtClean="0"/>
-              <a:t>2025-10-06</a:t>
+              <a:t>2025-10-09</a:t>
             </a:fld>
             <a:endParaRPr lang="sv-SE"/>
           </a:p>

--- a/Lab 2 Presentations/Task 2 – Seminar 2.pptx
+++ b/Lab 2 Presentations/Task 2 – Seminar 2.pptx
@@ -8268,7 +8268,7 @@
           <a:p>
             <a:fld id="{1F295251-038B-47DF-AB2A-CF693BFB5DCE}" type="datetimeFigureOut">
               <a:rPr lang="sv-SE" smtClean="0"/>
-              <a:t>2025-10-09</a:t>
+              <a:t>2025-11-09</a:t>
             </a:fld>
             <a:endParaRPr lang="sv-SE"/>
           </a:p>
@@ -8466,7 +8466,7 @@
           <a:p>
             <a:fld id="{1F295251-038B-47DF-AB2A-CF693BFB5DCE}" type="datetimeFigureOut">
               <a:rPr lang="sv-SE" smtClean="0"/>
-              <a:t>2025-10-09</a:t>
+              <a:t>2025-11-09</a:t>
             </a:fld>
             <a:endParaRPr lang="sv-SE"/>
           </a:p>
@@ -8674,7 +8674,7 @@
           <a:p>
             <a:fld id="{1F295251-038B-47DF-AB2A-CF693BFB5DCE}" type="datetimeFigureOut">
               <a:rPr lang="sv-SE" smtClean="0"/>
-              <a:t>2025-10-09</a:t>
+              <a:t>2025-11-09</a:t>
             </a:fld>
             <a:endParaRPr lang="sv-SE"/>
           </a:p>
@@ -8872,7 +8872,7 @@
           <a:p>
             <a:fld id="{1F295251-038B-47DF-AB2A-CF693BFB5DCE}" type="datetimeFigureOut">
               <a:rPr lang="sv-SE" smtClean="0"/>
-              <a:t>2025-10-09</a:t>
+              <a:t>2025-11-09</a:t>
             </a:fld>
             <a:endParaRPr lang="sv-SE"/>
           </a:p>
@@ -9147,7 +9147,7 @@
           <a:p>
             <a:fld id="{1F295251-038B-47DF-AB2A-CF693BFB5DCE}" type="datetimeFigureOut">
               <a:rPr lang="sv-SE" smtClean="0"/>
-              <a:t>2025-10-09</a:t>
+              <a:t>2025-11-09</a:t>
             </a:fld>
             <a:endParaRPr lang="sv-SE"/>
           </a:p>
@@ -9412,7 +9412,7 @@
           <a:p>
             <a:fld id="{1F295251-038B-47DF-AB2A-CF693BFB5DCE}" type="datetimeFigureOut">
               <a:rPr lang="sv-SE" smtClean="0"/>
-              <a:t>2025-10-09</a:t>
+              <a:t>2025-11-09</a:t>
             </a:fld>
             <a:endParaRPr lang="sv-SE"/>
           </a:p>
@@ -9824,7 +9824,7 @@
           <a:p>
             <a:fld id="{1F295251-038B-47DF-AB2A-CF693BFB5DCE}" type="datetimeFigureOut">
               <a:rPr lang="sv-SE" smtClean="0"/>
-              <a:t>2025-10-09</a:t>
+              <a:t>2025-11-09</a:t>
             </a:fld>
             <a:endParaRPr lang="sv-SE"/>
           </a:p>
@@ -9965,7 +9965,7 @@
           <a:p>
             <a:fld id="{1F295251-038B-47DF-AB2A-CF693BFB5DCE}" type="datetimeFigureOut">
               <a:rPr lang="sv-SE" smtClean="0"/>
-              <a:t>2025-10-09</a:t>
+              <a:t>2025-11-09</a:t>
             </a:fld>
             <a:endParaRPr lang="sv-SE"/>
           </a:p>
@@ -10078,7 +10078,7 @@
           <a:p>
             <a:fld id="{1F295251-038B-47DF-AB2A-CF693BFB5DCE}" type="datetimeFigureOut">
               <a:rPr lang="sv-SE" smtClean="0"/>
-              <a:t>2025-10-09</a:t>
+              <a:t>2025-11-09</a:t>
             </a:fld>
             <a:endParaRPr lang="sv-SE"/>
           </a:p>
@@ -10389,7 +10389,7 @@
           <a:p>
             <a:fld id="{1F295251-038B-47DF-AB2A-CF693BFB5DCE}" type="datetimeFigureOut">
               <a:rPr lang="sv-SE" smtClean="0"/>
-              <a:t>2025-10-09</a:t>
+              <a:t>2025-11-09</a:t>
             </a:fld>
             <a:endParaRPr lang="sv-SE"/>
           </a:p>
@@ -10677,7 +10677,7 @@
           <a:p>
             <a:fld id="{1F295251-038B-47DF-AB2A-CF693BFB5DCE}" type="datetimeFigureOut">
               <a:rPr lang="sv-SE" smtClean="0"/>
-              <a:t>2025-10-09</a:t>
+              <a:t>2025-11-09</a:t>
             </a:fld>
             <a:endParaRPr lang="sv-SE"/>
           </a:p>
@@ -10918,7 +10918,7 @@
           <a:p>
             <a:fld id="{1F295251-038B-47DF-AB2A-CF693BFB5DCE}" type="datetimeFigureOut">
               <a:rPr lang="sv-SE" smtClean="0"/>
-              <a:t>2025-10-09</a:t>
+              <a:t>2025-11-09</a:t>
             </a:fld>
             <a:endParaRPr lang="sv-SE"/>
           </a:p>
